--- a/070_Abgabe/Präsentation/Anforderungen_Und_Testen.pptx
+++ b/070_Abgabe/Präsentation/Anforderungen_Und_Testen.pptx
@@ -5,7 +5,11 @@
     <p:sldMasterId id="2147483648" r:id="rId1"/>
   </p:sldMasterIdLst>
   <p:sldIdLst>
-    <p:sldId id="256" r:id="rId2"/>
+    <p:sldId id="257" r:id="rId2"/>
+    <p:sldId id="261" r:id="rId3"/>
+    <p:sldId id="258" r:id="rId4"/>
+    <p:sldId id="259" r:id="rId5"/>
+    <p:sldId id="260" r:id="rId6"/>
   </p:sldIdLst>
   <p:sldSz cx="12192000" cy="6858000"/>
   <p:notesSz cx="6858000" cy="9144000"/>
@@ -104,6 +108,11 @@
       </a:defRPr>
     </a:lvl9pPr>
   </p:defaultTextStyle>
+  <p:extLst>
+    <p:ext uri="{EFAFB233-063F-42B5-8137-9DF3F51BA10A}">
+      <p15:sldGuideLst xmlns:p15="http://schemas.microsoft.com/office/powerpoint/2012/main"/>
+    </p:ext>
+  </p:extLst>
 </p:presentation>
 </file>
 
@@ -3321,60 +3330,401 @@
           <a:chExt cx="0" cy="0"/>
         </a:xfrm>
       </p:grpSpPr>
-      <p:sp>
-        <p:nvSpPr>
-          <p:cNvPr id="2" name="Titel 1">
-            <a:extLst>
-              <a:ext uri="{FF2B5EF4-FFF2-40B4-BE49-F238E27FC236}">
-                <a16:creationId xmlns:a16="http://schemas.microsoft.com/office/drawing/2014/main" id="{4C3E56CC-4160-4BAA-B7CC-2A2F98E5A9AE}"/>
-              </a:ext>
-            </a:extLst>
-          </p:cNvPr>
-          <p:cNvSpPr>
-            <a:spLocks noGrp="1"/>
-          </p:cNvSpPr>
-          <p:nvPr>
-            <p:ph type="ctrTitle"/>
-          </p:nvPr>
-        </p:nvSpPr>
-        <p:spPr/>
-        <p:txBody>
-          <a:bodyPr/>
-          <a:lstStyle/>
-          <a:p>
-            <a:endParaRPr lang="de-DE"/>
-          </a:p>
-        </p:txBody>
-      </p:sp>
-      <p:sp>
-        <p:nvSpPr>
-          <p:cNvPr id="3" name="Untertitel 2">
-            <a:extLst>
-              <a:ext uri="{FF2B5EF4-FFF2-40B4-BE49-F238E27FC236}">
-                <a16:creationId xmlns:a16="http://schemas.microsoft.com/office/drawing/2014/main" id="{B62ADCC8-DA6C-4A73-8ECF-B47186809398}"/>
-              </a:ext>
-            </a:extLst>
-          </p:cNvPr>
-          <p:cNvSpPr>
-            <a:spLocks noGrp="1"/>
-          </p:cNvSpPr>
-          <p:nvPr>
-            <p:ph type="subTitle" idx="1"/>
-          </p:nvPr>
-        </p:nvSpPr>
-        <p:spPr/>
-        <p:txBody>
-          <a:bodyPr/>
-          <a:lstStyle/>
-          <a:p>
-            <a:endParaRPr lang="de-DE"/>
-          </a:p>
-        </p:txBody>
-      </p:sp>
+      <p:pic>
+        <p:nvPicPr>
+          <p:cNvPr id="4" name="Inhaltsplatzhalter 3">
+            <a:extLst>
+              <a:ext uri="{FF2B5EF4-FFF2-40B4-BE49-F238E27FC236}">
+                <a16:creationId xmlns:a16="http://schemas.microsoft.com/office/drawing/2014/main" id="{4DC98BB0-10DA-49C0-AABC-694DD564CC22}"/>
+              </a:ext>
+            </a:extLst>
+          </p:cNvPr>
+          <p:cNvPicPr>
+            <a:picLocks noGrp="1" noChangeAspect="1"/>
+          </p:cNvPicPr>
+          <p:nvPr>
+            <p:ph idx="1"/>
+          </p:nvPr>
+        </p:nvPicPr>
+        <p:blipFill>
+          <a:blip r:embed="rId2">
+            <a:extLst>
+              <a:ext uri="{28A0092B-C50C-407E-A947-70E740481C1C}">
+                <a14:useLocalDpi xmlns:a14="http://schemas.microsoft.com/office/drawing/2010/main" val="0"/>
+              </a:ext>
+            </a:extLst>
+          </a:blip>
+          <a:stretch>
+            <a:fillRect/>
+          </a:stretch>
+        </p:blipFill>
+        <p:spPr>
+          <a:xfrm>
+            <a:off x="838200" y="1383695"/>
+            <a:ext cx="10515600" cy="3872223"/>
+          </a:xfrm>
+          <a:prstGeom prst="rect">
+            <a:avLst/>
+          </a:prstGeom>
+        </p:spPr>
+      </p:pic>
     </p:spTree>
     <p:extLst>
       <p:ext uri="{BB962C8B-B14F-4D97-AF65-F5344CB8AC3E}">
-        <p14:creationId xmlns:p14="http://schemas.microsoft.com/office/powerpoint/2010/main" val="1588634493"/>
+        <p14:creationId xmlns:p14="http://schemas.microsoft.com/office/powerpoint/2010/main" val="2997621720"/>
+      </p:ext>
+    </p:extLst>
+  </p:cSld>
+  <p:clrMapOvr>
+    <a:masterClrMapping/>
+  </p:clrMapOvr>
+</p:sld>
+</file>
+
+<file path=ppt/slides/slide2.xml><?xml version="1.0" encoding="utf-8"?>
+<p:sld xmlns:a="http://schemas.openxmlformats.org/drawingml/2006/main" xmlns:r="http://schemas.openxmlformats.org/officeDocument/2006/relationships" xmlns:p="http://schemas.openxmlformats.org/presentationml/2006/main">
+  <p:cSld>
+    <p:spTree>
+      <p:nvGrpSpPr>
+        <p:cNvPr id="1" name=""/>
+        <p:cNvGrpSpPr/>
+        <p:nvPr/>
+      </p:nvGrpSpPr>
+      <p:grpSpPr>
+        <a:xfrm>
+          <a:off x="0" y="0"/>
+          <a:ext cx="0" cy="0"/>
+          <a:chOff x="0" y="0"/>
+          <a:chExt cx="0" cy="0"/>
+        </a:xfrm>
+      </p:grpSpPr>
+      <p:pic>
+        <p:nvPicPr>
+          <p:cNvPr id="5" name="Inhaltsplatzhalter 4">
+            <a:extLst>
+              <a:ext uri="{FF2B5EF4-FFF2-40B4-BE49-F238E27FC236}">
+                <a16:creationId xmlns:a16="http://schemas.microsoft.com/office/drawing/2014/main" id="{29BFC3A6-1327-4605-9720-038CF5935DC8}"/>
+              </a:ext>
+            </a:extLst>
+          </p:cNvPr>
+          <p:cNvPicPr>
+            <a:picLocks noGrp="1" noChangeAspect="1"/>
+          </p:cNvPicPr>
+          <p:nvPr>
+            <p:ph idx="1"/>
+          </p:nvPr>
+        </p:nvPicPr>
+        <p:blipFill>
+          <a:blip r:embed="rId2">
+            <a:extLst>
+              <a:ext uri="{28A0092B-C50C-407E-A947-70E740481C1C}">
+                <a14:useLocalDpi xmlns:a14="http://schemas.microsoft.com/office/drawing/2010/main" val="0"/>
+              </a:ext>
+            </a:extLst>
+          </a:blip>
+          <a:stretch>
+            <a:fillRect/>
+          </a:stretch>
+        </p:blipFill>
+        <p:spPr>
+          <a:xfrm>
+            <a:off x="1951629" y="505272"/>
+            <a:ext cx="8288741" cy="5847456"/>
+          </a:xfrm>
+        </p:spPr>
+      </p:pic>
+    </p:spTree>
+    <p:extLst>
+      <p:ext uri="{BB962C8B-B14F-4D97-AF65-F5344CB8AC3E}">
+        <p14:creationId xmlns:p14="http://schemas.microsoft.com/office/powerpoint/2010/main" val="1664288378"/>
+      </p:ext>
+    </p:extLst>
+  </p:cSld>
+  <p:clrMapOvr>
+    <a:masterClrMapping/>
+  </p:clrMapOvr>
+</p:sld>
+</file>
+
+<file path=ppt/slides/slide3.xml><?xml version="1.0" encoding="utf-8"?>
+<p:sld xmlns:a="http://schemas.openxmlformats.org/drawingml/2006/main" xmlns:r="http://schemas.openxmlformats.org/officeDocument/2006/relationships" xmlns:p="http://schemas.openxmlformats.org/presentationml/2006/main">
+  <p:cSld>
+    <p:spTree>
+      <p:nvGrpSpPr>
+        <p:cNvPr id="1" name=""/>
+        <p:cNvGrpSpPr/>
+        <p:nvPr/>
+      </p:nvGrpSpPr>
+      <p:grpSpPr>
+        <a:xfrm>
+          <a:off x="0" y="0"/>
+          <a:ext cx="0" cy="0"/>
+          <a:chOff x="0" y="0"/>
+          <a:chExt cx="0" cy="0"/>
+        </a:xfrm>
+      </p:grpSpPr>
+      <p:graphicFrame>
+        <p:nvGraphicFramePr>
+          <p:cNvPr id="10" name="Inhaltsplatzhalter 9">
+            <a:extLst>
+              <a:ext uri="{FF2B5EF4-FFF2-40B4-BE49-F238E27FC236}">
+                <a16:creationId xmlns:a16="http://schemas.microsoft.com/office/drawing/2014/main" id="{7E1FFA41-50DC-4491-9394-C7734F4C0FC5}"/>
+              </a:ext>
+            </a:extLst>
+          </p:cNvPr>
+          <p:cNvGraphicFramePr>
+            <a:graphicFrameLocks noGrp="1" noChangeAspect="1"/>
+          </p:cNvGraphicFramePr>
+          <p:nvPr>
+            <p:ph idx="1"/>
+            <p:extLst>
+              <p:ext uri="{D42A27DB-BD31-4B8C-83A1-F6EECF244321}">
+                <p14:modId xmlns:p14="http://schemas.microsoft.com/office/powerpoint/2010/main" val="1664261821"/>
+              </p:ext>
+            </p:extLst>
+          </p:nvPr>
+        </p:nvGraphicFramePr>
+        <p:xfrm>
+          <a:off x="108548" y="278374"/>
+          <a:ext cx="11974904" cy="6301251"/>
+        </p:xfrm>
+        <a:graphic>
+          <a:graphicData uri="http://schemas.openxmlformats.org/presentationml/2006/ole">
+            <mc:AlternateContent xmlns:mc="http://schemas.openxmlformats.org/markup-compatibility/2006">
+              <mc:Choice xmlns:v="urn:schemas-microsoft-com:vml" Requires="v">
+                <p:oleObj name="Acrobat Document" r:id="rId2" imgW="4489119" imgH="2362200" progId="AcroExch.Document.DC">
+                  <p:embed/>
+                </p:oleObj>
+              </mc:Choice>
+              <mc:Fallback>
+                <p:oleObj name="Acrobat Document" r:id="rId2" imgW="4489119" imgH="2362200" progId="AcroExch.Document.DC">
+                  <p:embed/>
+                  <p:pic>
+                    <p:nvPicPr>
+                      <p:cNvPr id="0" name=""/>
+                      <p:cNvPicPr/>
+                      <p:nvPr/>
+                    </p:nvPicPr>
+                    <p:blipFill>
+                      <a:blip r:embed="rId3"/>
+                      <a:stretch>
+                        <a:fillRect/>
+                      </a:stretch>
+                    </p:blipFill>
+                    <p:spPr>
+                      <a:xfrm>
+                        <a:off x="108548" y="278374"/>
+                        <a:ext cx="11974904" cy="6301251"/>
+                      </a:xfrm>
+                      <a:prstGeom prst="rect">
+                        <a:avLst/>
+                      </a:prstGeom>
+                    </p:spPr>
+                  </p:pic>
+                </p:oleObj>
+              </mc:Fallback>
+            </mc:AlternateContent>
+          </a:graphicData>
+        </a:graphic>
+      </p:graphicFrame>
+    </p:spTree>
+    <p:extLst>
+      <p:ext uri="{BB962C8B-B14F-4D97-AF65-F5344CB8AC3E}">
+        <p14:creationId xmlns:p14="http://schemas.microsoft.com/office/powerpoint/2010/main" val="3604071815"/>
+      </p:ext>
+    </p:extLst>
+  </p:cSld>
+  <p:clrMapOvr>
+    <a:masterClrMapping/>
+  </p:clrMapOvr>
+</p:sld>
+</file>
+
+<file path=ppt/slides/slide4.xml><?xml version="1.0" encoding="utf-8"?>
+<p:sld xmlns:a="http://schemas.openxmlformats.org/drawingml/2006/main" xmlns:r="http://schemas.openxmlformats.org/officeDocument/2006/relationships" xmlns:p="http://schemas.openxmlformats.org/presentationml/2006/main">
+  <p:cSld>
+    <p:spTree>
+      <p:nvGrpSpPr>
+        <p:cNvPr id="1" name=""/>
+        <p:cNvGrpSpPr/>
+        <p:nvPr/>
+      </p:nvGrpSpPr>
+      <p:grpSpPr>
+        <a:xfrm>
+          <a:off x="0" y="0"/>
+          <a:ext cx="0" cy="0"/>
+          <a:chOff x="0" y="0"/>
+          <a:chExt cx="0" cy="0"/>
+        </a:xfrm>
+      </p:grpSpPr>
+      <p:graphicFrame>
+        <p:nvGraphicFramePr>
+          <p:cNvPr id="4" name="Inhaltsplatzhalter 3">
+            <a:extLst>
+              <a:ext uri="{FF2B5EF4-FFF2-40B4-BE49-F238E27FC236}">
+                <a16:creationId xmlns:a16="http://schemas.microsoft.com/office/drawing/2014/main" id="{4079BC22-A40B-4851-ACCA-4EF74643A2CC}"/>
+              </a:ext>
+            </a:extLst>
+          </p:cNvPr>
+          <p:cNvGraphicFramePr>
+            <a:graphicFrameLocks noGrp="1" noChangeAspect="1"/>
+          </p:cNvGraphicFramePr>
+          <p:nvPr>
+            <p:ph idx="1"/>
+            <p:extLst>
+              <p:ext uri="{D42A27DB-BD31-4B8C-83A1-F6EECF244321}">
+                <p14:modId xmlns:p14="http://schemas.microsoft.com/office/powerpoint/2010/main" val="427182405"/>
+              </p:ext>
+            </p:extLst>
+          </p:nvPr>
+        </p:nvGraphicFramePr>
+        <p:xfrm>
+          <a:off x="1808147" y="370711"/>
+          <a:ext cx="8575705" cy="6116578"/>
+        </p:xfrm>
+        <a:graphic>
+          <a:graphicData uri="http://schemas.openxmlformats.org/presentationml/2006/ole">
+            <mc:AlternateContent xmlns:mc="http://schemas.openxmlformats.org/markup-compatibility/2006">
+              <mc:Choice xmlns:v="urn:schemas-microsoft-com:vml" Requires="v">
+                <p:oleObj name="Acrobat Document" r:id="rId2" imgW="2457179" imgH="1752600" progId="AcroExch.Document.DC">
+                  <p:embed/>
+                </p:oleObj>
+              </mc:Choice>
+              <mc:Fallback>
+                <p:oleObj name="Acrobat Document" r:id="rId2" imgW="2457179" imgH="1752600" progId="AcroExch.Document.DC">
+                  <p:embed/>
+                  <p:pic>
+                    <p:nvPicPr>
+                      <p:cNvPr id="0" name=""/>
+                      <p:cNvPicPr/>
+                      <p:nvPr/>
+                    </p:nvPicPr>
+                    <p:blipFill>
+                      <a:blip r:embed="rId3"/>
+                      <a:stretch>
+                        <a:fillRect/>
+                      </a:stretch>
+                    </p:blipFill>
+                    <p:spPr>
+                      <a:xfrm>
+                        <a:off x="1808147" y="370711"/>
+                        <a:ext cx="8575705" cy="6116578"/>
+                      </a:xfrm>
+                      <a:prstGeom prst="rect">
+                        <a:avLst/>
+                      </a:prstGeom>
+                    </p:spPr>
+                  </p:pic>
+                </p:oleObj>
+              </mc:Fallback>
+            </mc:AlternateContent>
+          </a:graphicData>
+        </a:graphic>
+      </p:graphicFrame>
+    </p:spTree>
+    <p:extLst>
+      <p:ext uri="{BB962C8B-B14F-4D97-AF65-F5344CB8AC3E}">
+        <p14:creationId xmlns:p14="http://schemas.microsoft.com/office/powerpoint/2010/main" val="3929918971"/>
+      </p:ext>
+    </p:extLst>
+  </p:cSld>
+  <p:clrMapOvr>
+    <a:masterClrMapping/>
+  </p:clrMapOvr>
+</p:sld>
+</file>
+
+<file path=ppt/slides/slide5.xml><?xml version="1.0" encoding="utf-8"?>
+<p:sld xmlns:a="http://schemas.openxmlformats.org/drawingml/2006/main" xmlns:r="http://schemas.openxmlformats.org/officeDocument/2006/relationships" xmlns:p="http://schemas.openxmlformats.org/presentationml/2006/main">
+  <p:cSld>
+    <p:spTree>
+      <p:nvGrpSpPr>
+        <p:cNvPr id="1" name=""/>
+        <p:cNvGrpSpPr/>
+        <p:nvPr/>
+      </p:nvGrpSpPr>
+      <p:grpSpPr>
+        <a:xfrm>
+          <a:off x="0" y="0"/>
+          <a:ext cx="0" cy="0"/>
+          <a:chOff x="0" y="0"/>
+          <a:chExt cx="0" cy="0"/>
+        </a:xfrm>
+      </p:grpSpPr>
+      <p:graphicFrame>
+        <p:nvGraphicFramePr>
+          <p:cNvPr id="6" name="Inhaltsplatzhalter 5">
+            <a:extLst>
+              <a:ext uri="{FF2B5EF4-FFF2-40B4-BE49-F238E27FC236}">
+                <a16:creationId xmlns:a16="http://schemas.microsoft.com/office/drawing/2014/main" id="{4597EDD3-5E44-4B64-9E22-C6DE6B00C986}"/>
+              </a:ext>
+            </a:extLst>
+          </p:cNvPr>
+          <p:cNvGraphicFramePr>
+            <a:graphicFrameLocks noGrp="1" noChangeAspect="1"/>
+          </p:cNvGraphicFramePr>
+          <p:nvPr>
+            <p:ph idx="1"/>
+            <p:extLst>
+              <p:ext uri="{D42A27DB-BD31-4B8C-83A1-F6EECF244321}">
+                <p14:modId xmlns:p14="http://schemas.microsoft.com/office/powerpoint/2010/main" val="1963562368"/>
+              </p:ext>
+            </p:extLst>
+          </p:nvPr>
+        </p:nvGraphicFramePr>
+        <p:xfrm>
+          <a:off x="1020762" y="1233637"/>
+          <a:ext cx="10150475" cy="4164013"/>
+        </p:xfrm>
+        <a:graphic>
+          <a:graphicData uri="http://schemas.openxmlformats.org/presentationml/2006/ole">
+            <mc:AlternateContent xmlns:mc="http://schemas.openxmlformats.org/markup-compatibility/2006">
+              <mc:Choice xmlns:v="urn:schemas-microsoft-com:vml" Requires="v">
+                <p:oleObj name="Acrobat Document" r:id="rId2" imgW="2476139" imgH="1016000" progId="AcroExch.Document.DC">
+                  <p:embed/>
+                </p:oleObj>
+              </mc:Choice>
+              <mc:Fallback>
+                <p:oleObj name="Acrobat Document" r:id="rId2" imgW="2476139" imgH="1016000" progId="AcroExch.Document.DC">
+                  <p:embed/>
+                  <p:pic>
+                    <p:nvPicPr>
+                      <p:cNvPr id="2" name="Objekt 1">
+                        <a:extLst>
+                          <a:ext uri="{FF2B5EF4-FFF2-40B4-BE49-F238E27FC236}">
+                            <a16:creationId xmlns:a16="http://schemas.microsoft.com/office/drawing/2014/main" id="{E08B29F6-4DB3-4523-BFD5-F45A34BACC14}"/>
+                          </a:ext>
+                        </a:extLst>
+                      </p:cNvPr>
+                      <p:cNvPicPr/>
+                      <p:nvPr/>
+                    </p:nvPicPr>
+                    <p:blipFill>
+                      <a:blip r:embed="rId3"/>
+                      <a:stretch>
+                        <a:fillRect/>
+                      </a:stretch>
+                    </p:blipFill>
+                    <p:spPr>
+                      <a:xfrm>
+                        <a:off x="1020762" y="1233637"/>
+                        <a:ext cx="10150475" cy="4164013"/>
+                      </a:xfrm>
+                      <a:prstGeom prst="rect">
+                        <a:avLst/>
+                      </a:prstGeom>
+                    </p:spPr>
+                  </p:pic>
+                </p:oleObj>
+              </mc:Fallback>
+            </mc:AlternateContent>
+          </a:graphicData>
+        </a:graphic>
+      </p:graphicFrame>
+    </p:spTree>
+    <p:extLst>
+      <p:ext uri="{BB962C8B-B14F-4D97-AF65-F5344CB8AC3E}">
+        <p14:creationId xmlns:p14="http://schemas.microsoft.com/office/powerpoint/2010/main" val="773835348"/>
       </p:ext>
     </p:extLst>
   </p:cSld>
